--- a/slides/day3Rekursive sorting algorithms.pptx
+++ b/slides/day3Rekursive sorting algorithms.pptx
@@ -5,10 +5,10 @@
     <p:sldMasterId id="2147483648" r:id="rId1"/>
   </p:sldMasterIdLst>
   <p:notesMasterIdLst>
-    <p:notesMasterId r:id="rId10"/>
+    <p:notesMasterId r:id="rId11"/>
   </p:notesMasterIdLst>
   <p:handoutMasterIdLst>
-    <p:handoutMasterId r:id="rId11"/>
+    <p:handoutMasterId r:id="rId12"/>
   </p:handoutMasterIdLst>
   <p:sldIdLst>
     <p:sldId id="256" r:id="rId2"/>
@@ -16,9 +16,10 @@
     <p:sldId id="259" r:id="rId4"/>
     <p:sldId id="263" r:id="rId5"/>
     <p:sldId id="262" r:id="rId6"/>
-    <p:sldId id="264" r:id="rId7"/>
-    <p:sldId id="265" r:id="rId8"/>
-    <p:sldId id="266" r:id="rId9"/>
+    <p:sldId id="267" r:id="rId7"/>
+    <p:sldId id="264" r:id="rId8"/>
+    <p:sldId id="265" r:id="rId9"/>
+    <p:sldId id="266" r:id="rId10"/>
   </p:sldIdLst>
   <p:sldSz cx="9144000" cy="6858000" type="screen4x3"/>
   <p:notesSz cx="6884988" cy="10018713"/>
@@ -117,6 +118,22 @@
       </a:defRPr>
     </a:lvl9pPr>
   </p:defaultTextStyle>
+  <p:extLst>
+    <p:ext uri="{EFAFB233-063F-42B5-8137-9DF3F51BA10A}">
+      <p15:sldGuideLst xmlns:p15="http://schemas.microsoft.com/office/powerpoint/2012/main">
+        <p15:guide id="1" orient="horz" pos="2160">
+          <p15:clr>
+            <a:srgbClr val="A4A3A4"/>
+          </p15:clr>
+        </p15:guide>
+        <p15:guide id="2" pos="2880">
+          <p15:clr>
+            <a:srgbClr val="A4A3A4"/>
+          </p15:clr>
+        </p15:guide>
+      </p15:sldGuideLst>
+    </p:ext>
+  </p:extLst>
 </p:presentation>
 </file>
 
@@ -5390,6 +5407,120 @@
           <a:bodyPr/>
           <a:lstStyle/>
           <a:p>
+            <a:endParaRPr lang="en-US"/>
+          </a:p>
+        </p:txBody>
+      </p:sp>
+      <p:sp>
+        <p:nvSpPr>
+          <p:cNvPr id="3" name="Content Placeholder 2"/>
+          <p:cNvSpPr>
+            <a:spLocks noGrp="1"/>
+          </p:cNvSpPr>
+          <p:nvPr>
+            <p:ph idx="1"/>
+          </p:nvPr>
+        </p:nvSpPr>
+        <p:spPr/>
+        <p:txBody>
+          <a:bodyPr/>
+          <a:lstStyle/>
+          <a:p>
+            <a:endParaRPr lang="en-US"/>
+          </a:p>
+        </p:txBody>
+      </p:sp>
+      <p:sp>
+        <p:nvSpPr>
+          <p:cNvPr id="4" name="Date Placeholder 3"/>
+          <p:cNvSpPr>
+            <a:spLocks noGrp="1"/>
+          </p:cNvSpPr>
+          <p:nvPr>
+            <p:ph type="dt" sz="half" idx="10"/>
+          </p:nvPr>
+        </p:nvSpPr>
+        <p:spPr/>
+        <p:txBody>
+          <a:bodyPr/>
+          <a:lstStyle/>
+          <a:p>
+            <a:r>
+              <a:rPr lang="da-DK" smtClean="0"/>
+              <a:t>2015 - hau</a:t>
+            </a:r>
+            <a:endParaRPr lang="da-DK"/>
+          </a:p>
+        </p:txBody>
+      </p:sp>
+      <p:sp>
+        <p:nvSpPr>
+          <p:cNvPr id="5" name="Footer Placeholder 4"/>
+          <p:cNvSpPr>
+            <a:spLocks noGrp="1"/>
+          </p:cNvSpPr>
+          <p:nvPr>
+            <p:ph type="ftr" sz="quarter" idx="11"/>
+          </p:nvPr>
+        </p:nvSpPr>
+        <p:spPr/>
+        <p:txBody>
+          <a:bodyPr/>
+          <a:lstStyle/>
+          <a:p>
+            <a:r>
+              <a:rPr lang="da-DK" smtClean="0"/>
+              <a:t>Recursive sorting algorithms</a:t>
+            </a:r>
+            <a:endParaRPr lang="da-DK"/>
+          </a:p>
+        </p:txBody>
+      </p:sp>
+    </p:spTree>
+    <p:extLst>
+      <p:ext uri="{BB962C8B-B14F-4D97-AF65-F5344CB8AC3E}">
+        <p14:creationId xmlns:p14="http://schemas.microsoft.com/office/powerpoint/2010/main" val="331141253"/>
+      </p:ext>
+    </p:extLst>
+  </p:cSld>
+  <p:clrMapOvr>
+    <a:masterClrMapping/>
+  </p:clrMapOvr>
+</p:sld>
+</file>
+
+<file path=ppt/slides/slide7.xml><?xml version="1.0" encoding="utf-8"?>
+<p:sld xmlns:a="http://schemas.openxmlformats.org/drawingml/2006/main" xmlns:r="http://schemas.openxmlformats.org/officeDocument/2006/relationships" xmlns:p="http://schemas.openxmlformats.org/presentationml/2006/main">
+  <p:cSld>
+    <p:spTree>
+      <p:nvGrpSpPr>
+        <p:cNvPr id="1" name=""/>
+        <p:cNvGrpSpPr/>
+        <p:nvPr/>
+      </p:nvGrpSpPr>
+      <p:grpSpPr>
+        <a:xfrm>
+          <a:off x="0" y="0"/>
+          <a:ext cx="0" cy="0"/>
+          <a:chOff x="0" y="0"/>
+          <a:chExt cx="0" cy="0"/>
+        </a:xfrm>
+      </p:grpSpPr>
+      <p:sp>
+        <p:nvSpPr>
+          <p:cNvPr id="2" name="Title 1"/>
+          <p:cNvSpPr>
+            <a:spLocks noGrp="1"/>
+          </p:cNvSpPr>
+          <p:nvPr>
+            <p:ph type="title"/>
+          </p:nvPr>
+        </p:nvSpPr>
+        <p:spPr/>
+        <p:txBody>
+          <a:bodyPr/>
+          <a:lstStyle/>
+          <a:p>
             <a:r>
               <a:rPr lang="da-DK" dirty="0" err="1" smtClean="0"/>
               <a:t>Merge</a:t>
@@ -5538,7 +5669,7 @@
 </p:sld>
 </file>
 
-<file path=ppt/slides/slide7.xml><?xml version="1.0" encoding="utf-8"?>
+<file path=ppt/slides/slide8.xml><?xml version="1.0" encoding="utf-8"?>
 <p:sld xmlns:a="http://schemas.openxmlformats.org/drawingml/2006/main" xmlns:r="http://schemas.openxmlformats.org/officeDocument/2006/relationships" xmlns:p="http://schemas.openxmlformats.org/presentationml/2006/main">
   <p:cSld>
     <p:spTree>
@@ -6145,7 +6276,7 @@
 </p:sld>
 </file>
 
-<file path=ppt/slides/slide8.xml><?xml version="1.0" encoding="utf-8"?>
+<file path=ppt/slides/slide9.xml><?xml version="1.0" encoding="utf-8"?>
 <p:sld xmlns:a="http://schemas.openxmlformats.org/drawingml/2006/main" xmlns:r="http://schemas.openxmlformats.org/officeDocument/2006/relationships" xmlns:p="http://schemas.openxmlformats.org/presentationml/2006/main">
   <p:cSld>
     <p:spTree>

--- a/slides/day3Rekursive sorting algorithms.pptx
+++ b/slides/day3Rekursive sorting algorithms.pptx
@@ -5732,484 +5732,32 @@
           </a:p>
         </p:txBody>
       </p:sp>
-      <p:sp>
-        <p:nvSpPr>
-          <p:cNvPr id="3" name="Content Placeholder 2"/>
-          <p:cNvSpPr>
-            <a:spLocks noGrp="1"/>
-          </p:cNvSpPr>
+      <p:pic>
+        <p:nvPicPr>
+          <p:cNvPr id="7" name="Content Placeholder 6"/>
+          <p:cNvPicPr>
+            <a:picLocks noGrp="1" noChangeAspect="1"/>
+          </p:cNvPicPr>
           <p:nvPr>
             <p:ph idx="1"/>
           </p:nvPr>
-        </p:nvSpPr>
+        </p:nvPicPr>
+        <p:blipFill>
+          <a:blip r:embed="rId2"/>
+          <a:stretch>
+            <a:fillRect/>
+          </a:stretch>
+        </p:blipFill>
         <p:spPr>
           <a:xfrm>
-            <a:off x="467544" y="980728"/>
-            <a:ext cx="8229600" cy="5102027"/>
+            <a:off x="215899" y="983804"/>
+            <a:ext cx="8465799" cy="4317404"/>
           </a:xfrm>
+          <a:prstGeom prst="rect">
+            <a:avLst/>
+          </a:prstGeom>
         </p:spPr>
-        <p:txBody>
-          <a:bodyPr>
-            <a:noAutofit/>
-          </a:bodyPr>
-          <a:lstStyle/>
-          <a:p>
-            <a:pPr marL="0" indent="0">
-              <a:buNone/>
-            </a:pPr>
-            <a:r>
-              <a:rPr lang="en-US" sz="1400" dirty="0">
-                <a:latin typeface="Courier New" pitchFamily="49" charset="0"/>
-                <a:cs typeface="Courier New" pitchFamily="49" charset="0"/>
-              </a:rPr>
-              <a:t>function </a:t>
-            </a:r>
-            <a:r>
-              <a:rPr lang="en-US" sz="1400" b="1" dirty="0" err="1" smtClean="0">
-                <a:latin typeface="Courier New" pitchFamily="49" charset="0"/>
-                <a:cs typeface="Courier New" pitchFamily="49" charset="0"/>
-              </a:rPr>
-              <a:t>merge_sort</a:t>
-            </a:r>
-            <a:r>
-              <a:rPr lang="en-US" sz="1400" dirty="0" smtClean="0">
-                <a:latin typeface="Courier New" pitchFamily="49" charset="0"/>
-                <a:cs typeface="Courier New" pitchFamily="49" charset="0"/>
-              </a:rPr>
-              <a:t> (</a:t>
-            </a:r>
-            <a:r>
-              <a:rPr lang="en-US" sz="1400" dirty="0">
-                <a:latin typeface="Courier New" pitchFamily="49" charset="0"/>
-                <a:cs typeface="Courier New" pitchFamily="49" charset="0"/>
-              </a:rPr>
-              <a:t>list m)</a:t>
-            </a:r>
-          </a:p>
-          <a:p>
-            <a:pPr marL="0" indent="0">
-              <a:buNone/>
-            </a:pPr>
-            <a:r>
-              <a:rPr lang="en-US" sz="1400" dirty="0">
-                <a:latin typeface="Courier New" pitchFamily="49" charset="0"/>
-                <a:cs typeface="Courier New" pitchFamily="49" charset="0"/>
-              </a:rPr>
-              <a:t>    // if list size is 1, consider it sorted and return it</a:t>
-            </a:r>
-          </a:p>
-          <a:p>
-            <a:pPr marL="0" indent="0">
-              <a:buNone/>
-            </a:pPr>
-            <a:r>
-              <a:rPr lang="en-US" sz="1400" dirty="0">
-                <a:latin typeface="Courier New" pitchFamily="49" charset="0"/>
-                <a:cs typeface="Courier New" pitchFamily="49" charset="0"/>
-              </a:rPr>
-              <a:t>    if length(m) &lt;= 1</a:t>
-            </a:r>
-          </a:p>
-          <a:p>
-            <a:pPr marL="0" indent="0">
-              <a:buNone/>
-            </a:pPr>
-            <a:r>
-              <a:rPr lang="en-US" sz="1400" dirty="0">
-                <a:latin typeface="Courier New" pitchFamily="49" charset="0"/>
-                <a:cs typeface="Courier New" pitchFamily="49" charset="0"/>
-              </a:rPr>
-              <a:t>        return </a:t>
-            </a:r>
-            <a:r>
-              <a:rPr lang="en-US" sz="1400" dirty="0" smtClean="0">
-                <a:latin typeface="Courier New" pitchFamily="49" charset="0"/>
-                <a:cs typeface="Courier New" pitchFamily="49" charset="0"/>
-              </a:rPr>
-              <a:t>m</a:t>
-            </a:r>
-          </a:p>
-          <a:p>
-            <a:pPr marL="0" indent="0">
-              <a:buNone/>
-            </a:pPr>
-            <a:endParaRPr lang="en-US" sz="1400" dirty="0">
-              <a:latin typeface="Courier New" pitchFamily="49" charset="0"/>
-              <a:cs typeface="Courier New" pitchFamily="49" charset="0"/>
-            </a:endParaRPr>
-          </a:p>
-          <a:p>
-            <a:pPr marL="0" indent="0">
-              <a:buNone/>
-            </a:pPr>
-            <a:r>
-              <a:rPr lang="en-US" sz="1400" dirty="0">
-                <a:latin typeface="Courier New" pitchFamily="49" charset="0"/>
-                <a:cs typeface="Courier New" pitchFamily="49" charset="0"/>
-              </a:rPr>
-              <a:t>    // else list size is &gt; 1, so split the list into two </a:t>
-            </a:r>
-            <a:r>
-              <a:rPr lang="en-US" sz="1400" dirty="0" err="1">
-                <a:latin typeface="Courier New" pitchFamily="49" charset="0"/>
-                <a:cs typeface="Courier New" pitchFamily="49" charset="0"/>
-              </a:rPr>
-              <a:t>sublists</a:t>
-            </a:r>
-            <a:endParaRPr lang="en-US" sz="1400" dirty="0">
-              <a:latin typeface="Courier New" pitchFamily="49" charset="0"/>
-              <a:cs typeface="Courier New" pitchFamily="49" charset="0"/>
-            </a:endParaRPr>
-          </a:p>
-          <a:p>
-            <a:pPr marL="0" indent="0">
-              <a:buNone/>
-            </a:pPr>
-            <a:r>
-              <a:rPr lang="en-US" sz="1400" dirty="0">
-                <a:latin typeface="Courier New" pitchFamily="49" charset="0"/>
-                <a:cs typeface="Courier New" pitchFamily="49" charset="0"/>
-              </a:rPr>
-              <a:t>    </a:t>
-            </a:r>
-            <a:r>
-              <a:rPr lang="en-US" sz="1400" dirty="0" err="1">
-                <a:latin typeface="Courier New" pitchFamily="49" charset="0"/>
-                <a:cs typeface="Courier New" pitchFamily="49" charset="0"/>
-              </a:rPr>
-              <a:t>var</a:t>
-            </a:r>
-            <a:r>
-              <a:rPr lang="en-US" sz="1400" dirty="0">
-                <a:latin typeface="Courier New" pitchFamily="49" charset="0"/>
-                <a:cs typeface="Courier New" pitchFamily="49" charset="0"/>
-              </a:rPr>
-              <a:t> list left, right</a:t>
-            </a:r>
-          </a:p>
-          <a:p>
-            <a:pPr marL="0" indent="0">
-              <a:buNone/>
-            </a:pPr>
-            <a:r>
-              <a:rPr lang="en-US" sz="1400" dirty="0">
-                <a:latin typeface="Courier New" pitchFamily="49" charset="0"/>
-                <a:cs typeface="Courier New" pitchFamily="49" charset="0"/>
-              </a:rPr>
-              <a:t>    </a:t>
-            </a:r>
-            <a:r>
-              <a:rPr lang="en-US" sz="1400" dirty="0" err="1">
-                <a:latin typeface="Courier New" pitchFamily="49" charset="0"/>
-                <a:cs typeface="Courier New" pitchFamily="49" charset="0"/>
-              </a:rPr>
-              <a:t>var</a:t>
-            </a:r>
-            <a:r>
-              <a:rPr lang="en-US" sz="1400" dirty="0">
-                <a:latin typeface="Courier New" pitchFamily="49" charset="0"/>
-                <a:cs typeface="Courier New" pitchFamily="49" charset="0"/>
-              </a:rPr>
-              <a:t> integer middle = length(m) / 2</a:t>
-            </a:r>
-          </a:p>
-          <a:p>
-            <a:pPr marL="0" indent="0">
-              <a:buNone/>
-            </a:pPr>
-            <a:r>
-              <a:rPr lang="en-US" sz="1400" dirty="0">
-                <a:latin typeface="Courier New" pitchFamily="49" charset="0"/>
-                <a:cs typeface="Courier New" pitchFamily="49" charset="0"/>
-              </a:rPr>
-              <a:t>    for each x in m before middle</a:t>
-            </a:r>
-          </a:p>
-          <a:p>
-            <a:pPr marL="0" indent="0">
-              <a:buNone/>
-            </a:pPr>
-            <a:r>
-              <a:rPr lang="en-US" sz="1400" dirty="0">
-                <a:latin typeface="Courier New" pitchFamily="49" charset="0"/>
-                <a:cs typeface="Courier New" pitchFamily="49" charset="0"/>
-              </a:rPr>
-              <a:t>         add x to left</a:t>
-            </a:r>
-          </a:p>
-          <a:p>
-            <a:pPr marL="0" indent="0">
-              <a:buNone/>
-            </a:pPr>
-            <a:r>
-              <a:rPr lang="en-US" sz="1400" dirty="0">
-                <a:latin typeface="Courier New" pitchFamily="49" charset="0"/>
-                <a:cs typeface="Courier New" pitchFamily="49" charset="0"/>
-              </a:rPr>
-              <a:t>    for each x in m after or equal middle</a:t>
-            </a:r>
-          </a:p>
-          <a:p>
-            <a:pPr marL="0" indent="0">
-              <a:buNone/>
-            </a:pPr>
-            <a:r>
-              <a:rPr lang="en-US" sz="1400" dirty="0">
-                <a:latin typeface="Courier New" pitchFamily="49" charset="0"/>
-                <a:cs typeface="Courier New" pitchFamily="49" charset="0"/>
-              </a:rPr>
-              <a:t>         add x to </a:t>
-            </a:r>
-            <a:r>
-              <a:rPr lang="en-US" sz="1400" dirty="0" smtClean="0">
-                <a:latin typeface="Courier New" pitchFamily="49" charset="0"/>
-                <a:cs typeface="Courier New" pitchFamily="49" charset="0"/>
-              </a:rPr>
-              <a:t>right</a:t>
-            </a:r>
-          </a:p>
-          <a:p>
-            <a:pPr marL="0" indent="0">
-              <a:buNone/>
-            </a:pPr>
-            <a:endParaRPr lang="en-US" sz="1400" dirty="0">
-              <a:latin typeface="Courier New" pitchFamily="49" charset="0"/>
-              <a:cs typeface="Courier New" pitchFamily="49" charset="0"/>
-            </a:endParaRPr>
-          </a:p>
-          <a:p>
-            <a:pPr marL="0" indent="0">
-              <a:buNone/>
-            </a:pPr>
-            <a:r>
-              <a:rPr lang="en-US" sz="1400" dirty="0">
-                <a:latin typeface="Courier New" pitchFamily="49" charset="0"/>
-                <a:cs typeface="Courier New" pitchFamily="49" charset="0"/>
-              </a:rPr>
-              <a:t>    // recursively call </a:t>
-            </a:r>
-            <a:r>
-              <a:rPr lang="en-US" sz="1400" dirty="0" err="1">
-                <a:latin typeface="Courier New" pitchFamily="49" charset="0"/>
-                <a:cs typeface="Courier New" pitchFamily="49" charset="0"/>
-              </a:rPr>
-              <a:t>merge_sort</a:t>
-            </a:r>
-            <a:r>
-              <a:rPr lang="en-US" sz="1400" dirty="0">
-                <a:latin typeface="Courier New" pitchFamily="49" charset="0"/>
-                <a:cs typeface="Courier New" pitchFamily="49" charset="0"/>
-              </a:rPr>
-              <a:t>() to further split each </a:t>
-            </a:r>
-            <a:r>
-              <a:rPr lang="en-US" sz="1400" dirty="0" err="1">
-                <a:latin typeface="Courier New" pitchFamily="49" charset="0"/>
-                <a:cs typeface="Courier New" pitchFamily="49" charset="0"/>
-              </a:rPr>
-              <a:t>sublist</a:t>
-            </a:r>
-            <a:endParaRPr lang="en-US" sz="1400" dirty="0">
-              <a:latin typeface="Courier New" pitchFamily="49" charset="0"/>
-              <a:cs typeface="Courier New" pitchFamily="49" charset="0"/>
-            </a:endParaRPr>
-          </a:p>
-          <a:p>
-            <a:pPr marL="0" indent="0">
-              <a:buNone/>
-            </a:pPr>
-            <a:r>
-              <a:rPr lang="en-US" sz="1400" dirty="0">
-                <a:latin typeface="Courier New" pitchFamily="49" charset="0"/>
-                <a:cs typeface="Courier New" pitchFamily="49" charset="0"/>
-              </a:rPr>
-              <a:t>    // until </a:t>
-            </a:r>
-            <a:r>
-              <a:rPr lang="en-US" sz="1400" dirty="0" err="1">
-                <a:latin typeface="Courier New" pitchFamily="49" charset="0"/>
-                <a:cs typeface="Courier New" pitchFamily="49" charset="0"/>
-              </a:rPr>
-              <a:t>sublist</a:t>
-            </a:r>
-            <a:r>
-              <a:rPr lang="en-US" sz="1400" dirty="0">
-                <a:latin typeface="Courier New" pitchFamily="49" charset="0"/>
-                <a:cs typeface="Courier New" pitchFamily="49" charset="0"/>
-              </a:rPr>
-              <a:t> size is 1</a:t>
-            </a:r>
-          </a:p>
-          <a:p>
-            <a:pPr marL="0" indent="0">
-              <a:buNone/>
-            </a:pPr>
-            <a:r>
-              <a:rPr lang="en-US" sz="1400" dirty="0">
-                <a:latin typeface="Courier New" pitchFamily="49" charset="0"/>
-                <a:cs typeface="Courier New" pitchFamily="49" charset="0"/>
-              </a:rPr>
-              <a:t>    left = </a:t>
-            </a:r>
-            <a:r>
-              <a:rPr lang="en-US" sz="1400" b="1" dirty="0" err="1">
-                <a:latin typeface="Courier New" pitchFamily="49" charset="0"/>
-                <a:cs typeface="Courier New" pitchFamily="49" charset="0"/>
-              </a:rPr>
-              <a:t>merge_sort</a:t>
-            </a:r>
-            <a:r>
-              <a:rPr lang="en-US" sz="1400" dirty="0">
-                <a:latin typeface="Courier New" pitchFamily="49" charset="0"/>
-                <a:cs typeface="Courier New" pitchFamily="49" charset="0"/>
-              </a:rPr>
-              <a:t>(left)</a:t>
-            </a:r>
-          </a:p>
-          <a:p>
-            <a:pPr marL="0" indent="0">
-              <a:buNone/>
-            </a:pPr>
-            <a:r>
-              <a:rPr lang="en-US" sz="1400" dirty="0">
-                <a:latin typeface="Courier New" pitchFamily="49" charset="0"/>
-                <a:cs typeface="Courier New" pitchFamily="49" charset="0"/>
-              </a:rPr>
-              <a:t>    right = </a:t>
-            </a:r>
-            <a:r>
-              <a:rPr lang="en-US" sz="1400" b="1" dirty="0" err="1">
-                <a:latin typeface="Courier New" pitchFamily="49" charset="0"/>
-                <a:cs typeface="Courier New" pitchFamily="49" charset="0"/>
-              </a:rPr>
-              <a:t>merge_sort</a:t>
-            </a:r>
-            <a:r>
-              <a:rPr lang="en-US" sz="1400" dirty="0">
-                <a:latin typeface="Courier New" pitchFamily="49" charset="0"/>
-                <a:cs typeface="Courier New" pitchFamily="49" charset="0"/>
-              </a:rPr>
-              <a:t>(right</a:t>
-            </a:r>
-            <a:r>
-              <a:rPr lang="en-US" sz="1400" dirty="0" smtClean="0">
-                <a:latin typeface="Courier New" pitchFamily="49" charset="0"/>
-                <a:cs typeface="Courier New" pitchFamily="49" charset="0"/>
-              </a:rPr>
-              <a:t>)</a:t>
-            </a:r>
-          </a:p>
-          <a:p>
-            <a:pPr marL="0" indent="0">
-              <a:buNone/>
-            </a:pPr>
-            <a:endParaRPr lang="en-US" sz="1400" dirty="0">
-              <a:latin typeface="Courier New" pitchFamily="49" charset="0"/>
-              <a:cs typeface="Courier New" pitchFamily="49" charset="0"/>
-            </a:endParaRPr>
-          </a:p>
-          <a:p>
-            <a:pPr marL="0" indent="0">
-              <a:buNone/>
-            </a:pPr>
-            <a:r>
-              <a:rPr lang="en-US" sz="1400" dirty="0">
-                <a:latin typeface="Courier New" pitchFamily="49" charset="0"/>
-                <a:cs typeface="Courier New" pitchFamily="49" charset="0"/>
-              </a:rPr>
-              <a:t>    // merge the </a:t>
-            </a:r>
-            <a:r>
-              <a:rPr lang="en-US" sz="1400" dirty="0" err="1">
-                <a:latin typeface="Courier New" pitchFamily="49" charset="0"/>
-                <a:cs typeface="Courier New" pitchFamily="49" charset="0"/>
-              </a:rPr>
-              <a:t>sublists</a:t>
-            </a:r>
-            <a:r>
-              <a:rPr lang="en-US" sz="1400" dirty="0">
-                <a:latin typeface="Courier New" pitchFamily="49" charset="0"/>
-                <a:cs typeface="Courier New" pitchFamily="49" charset="0"/>
-              </a:rPr>
-              <a:t> returned from prior calls to </a:t>
-            </a:r>
-            <a:r>
-              <a:rPr lang="en-US" sz="1400" dirty="0" err="1">
-                <a:latin typeface="Courier New" pitchFamily="49" charset="0"/>
-                <a:cs typeface="Courier New" pitchFamily="49" charset="0"/>
-              </a:rPr>
-              <a:t>merge_sort</a:t>
-            </a:r>
-            <a:r>
-              <a:rPr lang="en-US" sz="1400" dirty="0">
-                <a:latin typeface="Courier New" pitchFamily="49" charset="0"/>
-                <a:cs typeface="Courier New" pitchFamily="49" charset="0"/>
-              </a:rPr>
-              <a:t>()</a:t>
-            </a:r>
-          </a:p>
-          <a:p>
-            <a:pPr marL="0" indent="0">
-              <a:buNone/>
-            </a:pPr>
-            <a:r>
-              <a:rPr lang="en-US" sz="1400" dirty="0">
-                <a:latin typeface="Courier New" pitchFamily="49" charset="0"/>
-                <a:cs typeface="Courier New" pitchFamily="49" charset="0"/>
-              </a:rPr>
-              <a:t>    // and return the resulting merged </a:t>
-            </a:r>
-            <a:r>
-              <a:rPr lang="en-US" sz="1400" dirty="0" err="1">
-                <a:latin typeface="Courier New" pitchFamily="49" charset="0"/>
-                <a:cs typeface="Courier New" pitchFamily="49" charset="0"/>
-              </a:rPr>
-              <a:t>sublist</a:t>
-            </a:r>
-            <a:endParaRPr lang="en-US" sz="1400" dirty="0">
-              <a:latin typeface="Courier New" pitchFamily="49" charset="0"/>
-              <a:cs typeface="Courier New" pitchFamily="49" charset="0"/>
-            </a:endParaRPr>
-          </a:p>
-          <a:p>
-            <a:pPr marL="0" indent="0">
-              <a:buNone/>
-            </a:pPr>
-            <a:r>
-              <a:rPr lang="en-US" sz="1400" dirty="0">
-                <a:latin typeface="Courier New" pitchFamily="49" charset="0"/>
-                <a:cs typeface="Courier New" pitchFamily="49" charset="0"/>
-              </a:rPr>
-              <a:t>    return </a:t>
-            </a:r>
-            <a:r>
-              <a:rPr lang="en-US" sz="1400" b="1" dirty="0" smtClean="0">
-                <a:latin typeface="Courier New" pitchFamily="49" charset="0"/>
-                <a:cs typeface="Courier New" pitchFamily="49" charset="0"/>
-              </a:rPr>
-              <a:t>merge</a:t>
-            </a:r>
-            <a:r>
-              <a:rPr lang="en-US" sz="1400" dirty="0" smtClean="0">
-                <a:latin typeface="Courier New" pitchFamily="49" charset="0"/>
-                <a:cs typeface="Courier New" pitchFamily="49" charset="0"/>
-              </a:rPr>
-              <a:t> (</a:t>
-            </a:r>
-            <a:r>
-              <a:rPr lang="en-US" sz="1400" dirty="0">
-                <a:latin typeface="Courier New" pitchFamily="49" charset="0"/>
-                <a:cs typeface="Courier New" pitchFamily="49" charset="0"/>
-              </a:rPr>
-              <a:t>left, right)</a:t>
-            </a:r>
-            <a:endParaRPr lang="da-DK" sz="1400" dirty="0">
-              <a:latin typeface="Courier New" pitchFamily="49" charset="0"/>
-              <a:cs typeface="Courier New" pitchFamily="49" charset="0"/>
-            </a:endParaRPr>
-          </a:p>
-        </p:txBody>
-      </p:sp>
+      </p:pic>
       <p:sp>
         <p:nvSpPr>
           <p:cNvPr id="4" name="Date Placeholder 3"/>
@@ -6363,46 +5911,132 @@
               <a:buNone/>
             </a:pPr>
             <a:r>
+              <a:rPr lang="en-US" sz="1400" dirty="0" smtClean="0">
+                <a:latin typeface="Courier New" pitchFamily="49" charset="0"/>
+                <a:cs typeface="Courier New" pitchFamily="49" charset="0"/>
+              </a:rPr>
+              <a:t>function </a:t>
+            </a:r>
+            <a:r>
+              <a:rPr lang="en-US" sz="1400" b="1" dirty="0" smtClean="0">
+                <a:latin typeface="Courier New" pitchFamily="49" charset="0"/>
+                <a:cs typeface="Courier New" pitchFamily="49" charset="0"/>
+              </a:rPr>
+              <a:t>merge</a:t>
+            </a:r>
+            <a:r>
+              <a:rPr lang="en-US" sz="1400" dirty="0" smtClean="0">
+                <a:latin typeface="Courier New" pitchFamily="49" charset="0"/>
+                <a:cs typeface="Courier New" pitchFamily="49" charset="0"/>
+              </a:rPr>
+              <a:t>(list left, list right)</a:t>
+            </a:r>
+          </a:p>
+          <a:p>
+            <a:pPr marL="0" indent="0">
+              <a:buNone/>
+            </a:pPr>
+            <a:r>
+              <a:rPr lang="en-US" sz="1400" dirty="0" smtClean="0">
+                <a:latin typeface="Courier New" pitchFamily="49" charset="0"/>
+                <a:cs typeface="Courier New" pitchFamily="49" charset="0"/>
+              </a:rPr>
+              <a:t>    </a:t>
+            </a:r>
+            <a:r>
+              <a:rPr lang="en-US" sz="1400" dirty="0" err="1" smtClean="0">
+                <a:latin typeface="Courier New" pitchFamily="49" charset="0"/>
+                <a:cs typeface="Courier New" pitchFamily="49" charset="0"/>
+              </a:rPr>
+              <a:t>var</a:t>
+            </a:r>
+            <a:r>
+              <a:rPr lang="en-US" sz="1400" dirty="0" smtClean="0">
+                <a:latin typeface="Courier New" pitchFamily="49" charset="0"/>
+                <a:cs typeface="Courier New" pitchFamily="49" charset="0"/>
+              </a:rPr>
+              <a:t> list result</a:t>
+            </a:r>
+          </a:p>
+          <a:p>
+            <a:pPr marL="0" indent="0">
+              <a:buNone/>
+            </a:pPr>
+            <a:r>
+              <a:rPr lang="en-US" sz="1400" dirty="0" smtClean="0">
+                <a:latin typeface="Courier New" pitchFamily="49" charset="0"/>
+                <a:cs typeface="Courier New" pitchFamily="49" charset="0"/>
+              </a:rPr>
+              <a:t>    while something left in both</a:t>
+            </a:r>
+          </a:p>
+          <a:p>
+            <a:pPr marL="0" indent="0">
+              <a:buNone/>
+            </a:pPr>
+            <a:r>
+              <a:rPr lang="en-US" sz="1400" dirty="0" smtClean="0">
+                <a:latin typeface="Courier New" pitchFamily="49" charset="0"/>
+                <a:cs typeface="Courier New" pitchFamily="49" charset="0"/>
+              </a:rPr>
+              <a:t>	if first of left &lt; first of right</a:t>
+            </a:r>
+          </a:p>
+          <a:p>
+            <a:pPr marL="0" indent="0">
+              <a:buNone/>
+            </a:pPr>
+            <a:r>
               <a:rPr lang="en-US" sz="1400" dirty="0">
                 <a:latin typeface="Courier New" pitchFamily="49" charset="0"/>
                 <a:cs typeface="Courier New" pitchFamily="49" charset="0"/>
               </a:rPr>
-              <a:t>function </a:t>
-            </a:r>
-            <a:r>
-              <a:rPr lang="en-US" sz="1400" b="1" dirty="0" smtClean="0">
-                <a:latin typeface="Courier New" pitchFamily="49" charset="0"/>
-                <a:cs typeface="Courier New" pitchFamily="49" charset="0"/>
-              </a:rPr>
-              <a:t>merge</a:t>
+              <a:t>	</a:t>
             </a:r>
             <a:r>
               <a:rPr lang="en-US" sz="1400" dirty="0" smtClean="0">
                 <a:latin typeface="Courier New" pitchFamily="49" charset="0"/>
                 <a:cs typeface="Courier New" pitchFamily="49" charset="0"/>
               </a:rPr>
-              <a:t>(list left</a:t>
-            </a:r>
+              <a:t>	insert first of left into result</a:t>
+            </a:r>
+          </a:p>
+          <a:p>
+            <a:pPr marL="0" indent="0">
+              <a:buNone/>
+            </a:pPr>
             <a:r>
               <a:rPr lang="en-US" sz="1400" dirty="0">
                 <a:latin typeface="Courier New" pitchFamily="49" charset="0"/>
                 <a:cs typeface="Courier New" pitchFamily="49" charset="0"/>
               </a:rPr>
-              <a:t>, </a:t>
+              <a:t>	</a:t>
             </a:r>
             <a:r>
               <a:rPr lang="en-US" sz="1400" dirty="0" smtClean="0">
                 <a:latin typeface="Courier New" pitchFamily="49" charset="0"/>
                 <a:cs typeface="Courier New" pitchFamily="49" charset="0"/>
               </a:rPr>
-              <a:t>list right</a:t>
-            </a:r>
+              <a:t>	remove first from left</a:t>
+            </a:r>
+          </a:p>
+          <a:p>
+            <a:pPr marL="0" indent="0">
+              <a:buNone/>
+            </a:pPr>
             <a:r>
               <a:rPr lang="en-US" sz="1400" dirty="0">
                 <a:latin typeface="Courier New" pitchFamily="49" charset="0"/>
                 <a:cs typeface="Courier New" pitchFamily="49" charset="0"/>
               </a:rPr>
-              <a:t>)</a:t>
+              <a:t>	</a:t>
+            </a:r>
+            <a:r>
+              <a:rPr lang="en-US" sz="1400" dirty="0" smtClean="0">
+                <a:latin typeface="Courier New" pitchFamily="49" charset="0"/>
+                <a:cs typeface="Courier New" pitchFamily="49" charset="0"/>
+              </a:rPr>
+              <a:t>else</a:t>
             </a:r>
           </a:p>
           <a:p>
@@ -6414,21 +6048,33 @@
                 <a:latin typeface="Courier New" pitchFamily="49" charset="0"/>
                 <a:cs typeface="Courier New" pitchFamily="49" charset="0"/>
               </a:rPr>
-              <a:t>    </a:t>
-            </a:r>
-            <a:r>
-              <a:rPr lang="en-US" sz="1400" dirty="0" err="1">
-                <a:latin typeface="Courier New" pitchFamily="49" charset="0"/>
-                <a:cs typeface="Courier New" pitchFamily="49" charset="0"/>
-              </a:rPr>
-              <a:t>var</a:t>
-            </a:r>
+              <a:t>		</a:t>
+            </a:r>
+            <a:r>
+              <a:rPr lang="en-US" sz="1400" dirty="0" smtClean="0">
+                <a:latin typeface="Courier New" pitchFamily="49" charset="0"/>
+                <a:cs typeface="Courier New" pitchFamily="49" charset="0"/>
+              </a:rPr>
+              <a:t>insert first of right into result</a:t>
+            </a:r>
+          </a:p>
+          <a:p>
+            <a:pPr marL="0" indent="0">
+              <a:buNone/>
+            </a:pPr>
             <a:r>
               <a:rPr lang="en-US" sz="1400" dirty="0">
                 <a:latin typeface="Courier New" pitchFamily="49" charset="0"/>
                 <a:cs typeface="Courier New" pitchFamily="49" charset="0"/>
               </a:rPr>
-              <a:t> list result</a:t>
+              <a:t>	</a:t>
+            </a:r>
+            <a:r>
+              <a:rPr lang="en-US" sz="1400" dirty="0" smtClean="0">
+                <a:latin typeface="Courier New" pitchFamily="49" charset="0"/>
+                <a:cs typeface="Courier New" pitchFamily="49" charset="0"/>
+              </a:rPr>
+              <a:t>	remove first from right</a:t>
             </a:r>
           </a:p>
           <a:p>
@@ -6440,183 +6086,75 @@
                 <a:latin typeface="Courier New" pitchFamily="49" charset="0"/>
                 <a:cs typeface="Courier New" pitchFamily="49" charset="0"/>
               </a:rPr>
-              <a:t>    while length(left) &gt; 0 or length(right) &gt; 0</a:t>
-            </a:r>
+              <a:t>	</a:t>
+            </a:r>
+            <a:r>
+              <a:rPr lang="en-US" sz="1400" dirty="0" smtClean="0">
+                <a:latin typeface="Courier New" pitchFamily="49" charset="0"/>
+                <a:cs typeface="Courier New" pitchFamily="49" charset="0"/>
+              </a:rPr>
+              <a:t>end if</a:t>
+            </a:r>
+            <a:r>
+              <a:rPr lang="en-US" sz="1400" dirty="0">
+                <a:latin typeface="Courier New" pitchFamily="49" charset="0"/>
+                <a:cs typeface="Courier New" pitchFamily="49" charset="0"/>
+              </a:rPr>
+              <a:t>	</a:t>
+            </a:r>
+            <a:endParaRPr lang="en-US" sz="1400" dirty="0" smtClean="0">
+              <a:latin typeface="Courier New" pitchFamily="49" charset="0"/>
+              <a:cs typeface="Courier New" pitchFamily="49" charset="0"/>
+            </a:endParaRPr>
           </a:p>
           <a:p>
             <a:pPr marL="0" indent="0">
               <a:buNone/>
             </a:pPr>
             <a:r>
+              <a:rPr lang="en-US" sz="1400" dirty="0" smtClean="0">
+                <a:latin typeface="Courier New" pitchFamily="49" charset="0"/>
+                <a:cs typeface="Courier New" pitchFamily="49" charset="0"/>
+              </a:rPr>
+              <a:t>    end while</a:t>
+            </a:r>
+          </a:p>
+          <a:p>
+            <a:pPr marL="0" indent="0">
+              <a:buNone/>
+            </a:pPr>
+            <a:r>
               <a:rPr lang="en-US" sz="1400" dirty="0">
                 <a:latin typeface="Courier New" pitchFamily="49" charset="0"/>
                 <a:cs typeface="Courier New" pitchFamily="49" charset="0"/>
               </a:rPr>
-              <a:t>        if length(left) &gt; 0 and length(right) &gt; 0</a:t>
-            </a:r>
+              <a:t> </a:t>
+            </a:r>
+            <a:r>
+              <a:rPr lang="en-US" sz="1400" dirty="0" smtClean="0">
+                <a:latin typeface="Courier New" pitchFamily="49" charset="0"/>
+                <a:cs typeface="Courier New" pitchFamily="49" charset="0"/>
+              </a:rPr>
+              <a:t>   insert the remaining elements from left </a:t>
+            </a:r>
+            <a:r>
+              <a:rPr lang="en-US" sz="1400" smtClean="0">
+                <a:latin typeface="Courier New" pitchFamily="49" charset="0"/>
+                <a:cs typeface="Courier New" pitchFamily="49" charset="0"/>
+              </a:rPr>
+              <a:t>or right into result</a:t>
+            </a:r>
+            <a:endParaRPr lang="en-US" sz="1400" dirty="0" smtClean="0">
+              <a:latin typeface="Courier New" pitchFamily="49" charset="0"/>
+              <a:cs typeface="Courier New" pitchFamily="49" charset="0"/>
+            </a:endParaRPr>
           </a:p>
           <a:p>
             <a:pPr marL="0" indent="0">
               <a:buNone/>
             </a:pPr>
             <a:r>
-              <a:rPr lang="en-US" sz="1400" dirty="0">
-                <a:latin typeface="Courier New" pitchFamily="49" charset="0"/>
-                <a:cs typeface="Courier New" pitchFamily="49" charset="0"/>
-              </a:rPr>
-              <a:t>            if first(left) &lt;= first(right)</a:t>
-            </a:r>
-          </a:p>
-          <a:p>
-            <a:pPr marL="0" indent="0">
-              <a:buNone/>
-            </a:pPr>
-            <a:r>
-              <a:rPr lang="en-US" sz="1400" dirty="0">
-                <a:latin typeface="Courier New" pitchFamily="49" charset="0"/>
-                <a:cs typeface="Courier New" pitchFamily="49" charset="0"/>
-              </a:rPr>
-              <a:t>                append first(left) to result</a:t>
-            </a:r>
-          </a:p>
-          <a:p>
-            <a:pPr marL="0" indent="0">
-              <a:buNone/>
-            </a:pPr>
-            <a:r>
-              <a:rPr lang="en-US" sz="1400" dirty="0">
-                <a:latin typeface="Courier New" pitchFamily="49" charset="0"/>
-                <a:cs typeface="Courier New" pitchFamily="49" charset="0"/>
-              </a:rPr>
-              <a:t>                left = rest(left)</a:t>
-            </a:r>
-          </a:p>
-          <a:p>
-            <a:pPr marL="0" indent="0">
-              <a:buNone/>
-            </a:pPr>
-            <a:r>
-              <a:rPr lang="en-US" sz="1400" dirty="0">
-                <a:latin typeface="Courier New" pitchFamily="49" charset="0"/>
-                <a:cs typeface="Courier New" pitchFamily="49" charset="0"/>
-              </a:rPr>
-              <a:t>            else</a:t>
-            </a:r>
-          </a:p>
-          <a:p>
-            <a:pPr marL="0" indent="0">
-              <a:buNone/>
-            </a:pPr>
-            <a:r>
-              <a:rPr lang="en-US" sz="1400" dirty="0">
-                <a:latin typeface="Courier New" pitchFamily="49" charset="0"/>
-                <a:cs typeface="Courier New" pitchFamily="49" charset="0"/>
-              </a:rPr>
-              <a:t>                append first(right) to result</a:t>
-            </a:r>
-          </a:p>
-          <a:p>
-            <a:pPr marL="0" indent="0">
-              <a:buNone/>
-            </a:pPr>
-            <a:r>
-              <a:rPr lang="en-US" sz="1400" dirty="0">
-                <a:latin typeface="Courier New" pitchFamily="49" charset="0"/>
-                <a:cs typeface="Courier New" pitchFamily="49" charset="0"/>
-              </a:rPr>
-              <a:t>                right = rest(right)</a:t>
-            </a:r>
-          </a:p>
-          <a:p>
-            <a:pPr marL="0" indent="0">
-              <a:buNone/>
-            </a:pPr>
-            <a:r>
-              <a:rPr lang="en-US" sz="1400" dirty="0">
-                <a:latin typeface="Courier New" pitchFamily="49" charset="0"/>
-                <a:cs typeface="Courier New" pitchFamily="49" charset="0"/>
-              </a:rPr>
-              <a:t>        else if length(left) &gt; 0</a:t>
-            </a:r>
-          </a:p>
-          <a:p>
-            <a:pPr marL="0" indent="0">
-              <a:buNone/>
-            </a:pPr>
-            <a:r>
-              <a:rPr lang="en-US" sz="1400" dirty="0">
-                <a:latin typeface="Courier New" pitchFamily="49" charset="0"/>
-                <a:cs typeface="Courier New" pitchFamily="49" charset="0"/>
-              </a:rPr>
-              <a:t>            append first(left) to result</a:t>
-            </a:r>
-          </a:p>
-          <a:p>
-            <a:pPr marL="0" indent="0">
-              <a:buNone/>
-            </a:pPr>
-            <a:r>
-              <a:rPr lang="en-US" sz="1400" dirty="0">
-                <a:latin typeface="Courier New" pitchFamily="49" charset="0"/>
-                <a:cs typeface="Courier New" pitchFamily="49" charset="0"/>
-              </a:rPr>
-              <a:t>            left = rest(left)</a:t>
-            </a:r>
-          </a:p>
-          <a:p>
-            <a:pPr marL="0" indent="0">
-              <a:buNone/>
-            </a:pPr>
-            <a:r>
-              <a:rPr lang="en-US" sz="1400" dirty="0">
-                <a:latin typeface="Courier New" pitchFamily="49" charset="0"/>
-                <a:cs typeface="Courier New" pitchFamily="49" charset="0"/>
-              </a:rPr>
-              <a:t>        else if length(right) &gt; 0</a:t>
-            </a:r>
-          </a:p>
-          <a:p>
-            <a:pPr marL="0" indent="0">
-              <a:buNone/>
-            </a:pPr>
-            <a:r>
-              <a:rPr lang="en-US" sz="1400" dirty="0">
-                <a:latin typeface="Courier New" pitchFamily="49" charset="0"/>
-                <a:cs typeface="Courier New" pitchFamily="49" charset="0"/>
-              </a:rPr>
-              <a:t>            append first(right) to result</a:t>
-            </a:r>
-          </a:p>
-          <a:p>
-            <a:pPr marL="0" indent="0">
-              <a:buNone/>
-            </a:pPr>
-            <a:r>
-              <a:rPr lang="en-US" sz="1400" dirty="0">
-                <a:latin typeface="Courier New" pitchFamily="49" charset="0"/>
-                <a:cs typeface="Courier New" pitchFamily="49" charset="0"/>
-              </a:rPr>
-              <a:t>            right = rest(right)</a:t>
-            </a:r>
-          </a:p>
-          <a:p>
-            <a:pPr marL="0" indent="0">
-              <a:buNone/>
-            </a:pPr>
-            <a:r>
-              <a:rPr lang="en-US" sz="1400" dirty="0">
-                <a:latin typeface="Courier New" pitchFamily="49" charset="0"/>
-                <a:cs typeface="Courier New" pitchFamily="49" charset="0"/>
-              </a:rPr>
-              <a:t>    end while</a:t>
-            </a:r>
-          </a:p>
-          <a:p>
-            <a:pPr marL="0" indent="0">
-              <a:buNone/>
-            </a:pPr>
-            <a:r>
-              <a:rPr lang="en-US" sz="1400" dirty="0">
+              <a:rPr lang="en-US" sz="1400" dirty="0" smtClean="0">
                 <a:latin typeface="Courier New" pitchFamily="49" charset="0"/>
                 <a:cs typeface="Courier New" pitchFamily="49" charset="0"/>
               </a:rPr>
